--- a/2 - Approche agile/1 - Cours/1 - Introduction à la gestion des projets/Gestion des projets informatique.pptx
+++ b/2 - Approche agile/1 - Cours/1 - Introduction à la gestion des projets/Gestion des projets informatique.pptx
@@ -236,7 +236,7 @@
           <a:p>
             <a:fld id="{BB3D0F9E-1CA6-4122-B8D8-936A0A68E71B}" type="datetimeFigureOut">
               <a:rPr lang="fr-FR" smtClean="0"/>
-              <a:t>25/11/2024</a:t>
+              <a:t>30/11/2024</a:t>
             </a:fld>
             <a:endParaRPr lang="fr-FR"/>
           </a:p>
@@ -637,7 +637,7 @@
           <a:p>
             <a:fld id="{AC62C36D-ED98-4109-A3D4-BCDCB31A989A}" type="datetime1">
               <a:rPr lang="fr-FR" smtClean="0"/>
-              <a:t>25/11/2024</a:t>
+              <a:t>30/11/2024</a:t>
             </a:fld>
             <a:endParaRPr lang="fr-FR"/>
           </a:p>
@@ -1509,7 +1509,7 @@
           <a:p>
             <a:fld id="{C8B62E31-AC2A-412D-881C-E1BEE76AE69E}" type="datetime1">
               <a:rPr lang="fr-FR" smtClean="0"/>
-              <a:t>25/11/2024</a:t>
+              <a:t>30/11/2024</a:t>
             </a:fld>
             <a:endParaRPr lang="fr-FR"/>
           </a:p>
@@ -1687,7 +1687,7 @@
           <a:p>
             <a:fld id="{DA0296E4-802E-4786-B3C0-F6F6BD458018}" type="datetime1">
               <a:rPr lang="fr-FR" smtClean="0"/>
-              <a:t>25/11/2024</a:t>
+              <a:t>30/11/2024</a:t>
             </a:fld>
             <a:endParaRPr lang="fr-FR"/>
           </a:p>
@@ -1860,7 +1860,7 @@
           <a:p>
             <a:fld id="{F592AD7D-A579-46BC-A2AB-6F713D6A700E}" type="datetime1">
               <a:rPr lang="fr-FR" smtClean="0"/>
-              <a:t>25/11/2024</a:t>
+              <a:t>30/11/2024</a:t>
             </a:fld>
             <a:endParaRPr lang="fr-FR"/>
           </a:p>
@@ -2073,7 +2073,7 @@
           <a:p>
             <a:fld id="{DAF7AF68-5348-4D6D-9CA7-A895117D2688}" type="datetime1">
               <a:rPr lang="fr-FR" smtClean="0"/>
-              <a:t>25/11/2024</a:t>
+              <a:t>30/11/2024</a:t>
             </a:fld>
             <a:endParaRPr lang="fr-FR"/>
           </a:p>
@@ -2890,7 +2890,7 @@
           <a:p>
             <a:fld id="{AA21BC49-FF47-495C-BE15-7F0065CBC8F2}" type="datetime1">
               <a:rPr lang="fr-FR" smtClean="0"/>
-              <a:t>25/11/2024</a:t>
+              <a:t>30/11/2024</a:t>
             </a:fld>
             <a:endParaRPr lang="fr-FR"/>
           </a:p>
@@ -3129,7 +3129,7 @@
           <a:p>
             <a:fld id="{3230B1FD-3104-464C-BBEE-18CC7B448CB9}" type="datetime1">
               <a:rPr lang="fr-FR" smtClean="0"/>
-              <a:t>25/11/2024</a:t>
+              <a:t>30/11/2024</a:t>
             </a:fld>
             <a:endParaRPr lang="fr-FR"/>
           </a:p>
@@ -3455,7 +3455,7 @@
           <a:p>
             <a:fld id="{1FD0F368-CCBD-435D-A15C-9378A55E285A}" type="datetime1">
               <a:rPr lang="fr-FR" smtClean="0"/>
-              <a:t>25/11/2024</a:t>
+              <a:t>30/11/2024</a:t>
             </a:fld>
             <a:endParaRPr lang="fr-FR"/>
           </a:p>
@@ -3548,7 +3548,7 @@
           <a:p>
             <a:fld id="{EBE33590-3D1A-4B98-B193-EA4833A7CD22}" type="datetime1">
               <a:rPr lang="fr-FR" smtClean="0"/>
-              <a:t>25/11/2024</a:t>
+              <a:t>30/11/2024</a:t>
             </a:fld>
             <a:endParaRPr lang="fr-FR"/>
           </a:p>
@@ -4068,7 +4068,7 @@
           <a:p>
             <a:fld id="{BD683EA6-1BC5-4586-B6D9-9B93CB0D43C0}" type="datetime1">
               <a:rPr lang="fr-FR" smtClean="0"/>
-              <a:t>25/11/2024</a:t>
+              <a:t>30/11/2024</a:t>
             </a:fld>
             <a:endParaRPr lang="fr-FR"/>
           </a:p>
@@ -4582,7 +4582,7 @@
           <a:p>
             <a:fld id="{1B608614-211D-41BD-B7D5-F7DC6F0FE6D8}" type="datetime1">
               <a:rPr lang="fr-FR" smtClean="0"/>
-              <a:t>25/11/2024</a:t>
+              <a:t>30/11/2024</a:t>
             </a:fld>
             <a:endParaRPr lang="fr-FR"/>
           </a:p>
@@ -4830,7 +4830,7 @@
           <a:p>
             <a:fld id="{4CA4AE36-9F7E-4509-A0EC-AAC490F3D72D}" type="datetime1">
               <a:rPr lang="fr-FR" smtClean="0"/>
-              <a:t>25/11/2024</a:t>
+              <a:t>30/11/2024</a:t>
             </a:fld>
             <a:endParaRPr lang="fr-FR"/>
           </a:p>
@@ -6922,8 +6922,12 @@
           <a:lstStyle/>
           <a:p>
             <a:r>
+              <a:rPr lang="fr-FR" b="1"/>
+              <a:t>Identifier les </a:t>
+            </a:r>
+            <a:r>
               <a:rPr lang="fr-FR" b="1" dirty="0"/>
-              <a:t>Identifier des contraintes d'enchaînement des tâches</a:t>
+              <a:t>contraintes d'enchaînement des tâches</a:t>
             </a:r>
             <a:r>
               <a:rPr lang="fr-FR" dirty="0"/>
